--- a/Project1/Presentation1.pptx
+++ b/Project1/Presentation1.pptx
@@ -213,7 +213,7 @@
           <a:p>
             <a:fld id="{9F1855C5-D5AA-4E44-9042-B4A13C88896B}" type="datetimeFigureOut">
               <a:rPr lang="en-US" smtClean="0"/>
-              <a:t>2/7/19</a:t>
+              <a:t>3/15/19</a:t>
             </a:fld>
             <a:endParaRPr lang="en-US"/>
           </a:p>
@@ -612,7 +612,7 @@
           <a:p>
             <a:fld id="{741E3E35-3A0D-FC4C-8B4A-99EFBD384779}" type="datetimeFigureOut">
               <a:rPr lang="en-US" smtClean="0"/>
-              <a:t>2/7/19</a:t>
+              <a:t>3/15/19</a:t>
             </a:fld>
             <a:endParaRPr lang="en-US"/>
           </a:p>
@@ -782,7 +782,7 @@
           <a:p>
             <a:fld id="{741E3E35-3A0D-FC4C-8B4A-99EFBD384779}" type="datetimeFigureOut">
               <a:rPr lang="en-US" smtClean="0"/>
-              <a:t>2/7/19</a:t>
+              <a:t>3/15/19</a:t>
             </a:fld>
             <a:endParaRPr lang="en-US"/>
           </a:p>
@@ -962,7 +962,7 @@
           <a:p>
             <a:fld id="{741E3E35-3A0D-FC4C-8B4A-99EFBD384779}" type="datetimeFigureOut">
               <a:rPr lang="en-US" smtClean="0"/>
-              <a:t>2/7/19</a:t>
+              <a:t>3/15/19</a:t>
             </a:fld>
             <a:endParaRPr lang="en-US"/>
           </a:p>
@@ -1132,7 +1132,7 @@
           <a:p>
             <a:fld id="{741E3E35-3A0D-FC4C-8B4A-99EFBD384779}" type="datetimeFigureOut">
               <a:rPr lang="en-US" smtClean="0"/>
-              <a:t>2/7/19</a:t>
+              <a:t>3/15/19</a:t>
             </a:fld>
             <a:endParaRPr lang="en-US"/>
           </a:p>
@@ -1378,7 +1378,7 @@
           <a:p>
             <a:fld id="{741E3E35-3A0D-FC4C-8B4A-99EFBD384779}" type="datetimeFigureOut">
               <a:rPr lang="en-US" smtClean="0"/>
-              <a:t>2/7/19</a:t>
+              <a:t>3/15/19</a:t>
             </a:fld>
             <a:endParaRPr lang="en-US"/>
           </a:p>
@@ -1610,7 +1610,7 @@
           <a:p>
             <a:fld id="{741E3E35-3A0D-FC4C-8B4A-99EFBD384779}" type="datetimeFigureOut">
               <a:rPr lang="en-US" smtClean="0"/>
-              <a:t>2/7/19</a:t>
+              <a:t>3/15/19</a:t>
             </a:fld>
             <a:endParaRPr lang="en-US"/>
           </a:p>
@@ -1977,7 +1977,7 @@
           <a:p>
             <a:fld id="{741E3E35-3A0D-FC4C-8B4A-99EFBD384779}" type="datetimeFigureOut">
               <a:rPr lang="en-US" smtClean="0"/>
-              <a:t>2/7/19</a:t>
+              <a:t>3/15/19</a:t>
             </a:fld>
             <a:endParaRPr lang="en-US"/>
           </a:p>
@@ -2095,7 +2095,7 @@
           <a:p>
             <a:fld id="{741E3E35-3A0D-FC4C-8B4A-99EFBD384779}" type="datetimeFigureOut">
               <a:rPr lang="en-US" smtClean="0"/>
-              <a:t>2/7/19</a:t>
+              <a:t>3/15/19</a:t>
             </a:fld>
             <a:endParaRPr lang="en-US"/>
           </a:p>
@@ -2190,7 +2190,7 @@
           <a:p>
             <a:fld id="{741E3E35-3A0D-FC4C-8B4A-99EFBD384779}" type="datetimeFigureOut">
               <a:rPr lang="en-US" smtClean="0"/>
-              <a:t>2/7/19</a:t>
+              <a:t>3/15/19</a:t>
             </a:fld>
             <a:endParaRPr lang="en-US"/>
           </a:p>
@@ -2467,7 +2467,7 @@
           <a:p>
             <a:fld id="{741E3E35-3A0D-FC4C-8B4A-99EFBD384779}" type="datetimeFigureOut">
               <a:rPr lang="en-US" smtClean="0"/>
-              <a:t>2/7/19</a:t>
+              <a:t>3/15/19</a:t>
             </a:fld>
             <a:endParaRPr lang="en-US"/>
           </a:p>
@@ -2720,7 +2720,7 @@
           <a:p>
             <a:fld id="{741E3E35-3A0D-FC4C-8B4A-99EFBD384779}" type="datetimeFigureOut">
               <a:rPr lang="en-US" smtClean="0"/>
-              <a:t>2/7/19</a:t>
+              <a:t>3/15/19</a:t>
             </a:fld>
             <a:endParaRPr lang="en-US"/>
           </a:p>
@@ -2933,7 +2933,7 @@
           <a:p>
             <a:fld id="{741E3E35-3A0D-FC4C-8B4A-99EFBD384779}" type="datetimeFigureOut">
               <a:rPr lang="en-US" smtClean="0"/>
-              <a:t>2/7/19</a:t>
+              <a:t>3/15/19</a:t>
             </a:fld>
             <a:endParaRPr lang="en-US"/>
           </a:p>
@@ -4894,14 +4894,10 @@
             </a:r>
             <a:r>
               <a:rPr lang="en-US" dirty="0"/>
-              <a:t>, another direction for improvement is to systematically explore </a:t>
-            </a:r>
-            <a:r>
-              <a:rPr lang="en-US"/>
-              <a:t>weighting </a:t>
-            </a:r>
-            <a:r>
-              <a:rPr lang="en-US" smtClean="0"/>
+              <a:t>, another direction for improvement is to systematically explore weighting </a:t>
+            </a:r>
+            <a:r>
+              <a:rPr lang="en-US" dirty="0" smtClean="0"/>
               <a:t>methods </a:t>
             </a:r>
             <a:r>
